--- a/slides/single-day-ris-workshop.pptx
+++ b/slides/single-day-ris-workshop.pptx
@@ -5,7 +5,7 @@
     <p:sldMasterId id="2147483648" r:id="rId1"/>
   </p:sldMasterIdLst>
   <p:notesMasterIdLst>
-    <p:notesMasterId r:id="rId15"/>
+    <p:notesMasterId r:id="rId16"/>
   </p:notesMasterIdLst>
   <p:sldIdLst>
     <p:sldId id="256" r:id="rId2"/>
@@ -13,14 +13,15 @@
     <p:sldId id="259" r:id="rId4"/>
     <p:sldId id="258" r:id="rId5"/>
     <p:sldId id="299" r:id="rId6"/>
-    <p:sldId id="301" r:id="rId7"/>
-    <p:sldId id="302" r:id="rId8"/>
-    <p:sldId id="303" r:id="rId9"/>
-    <p:sldId id="305" r:id="rId10"/>
-    <p:sldId id="306" r:id="rId11"/>
-    <p:sldId id="300" r:id="rId12"/>
-    <p:sldId id="297" r:id="rId13"/>
-    <p:sldId id="294" r:id="rId14"/>
+    <p:sldId id="300" r:id="rId7"/>
+    <p:sldId id="307" r:id="rId8"/>
+    <p:sldId id="301" r:id="rId9"/>
+    <p:sldId id="302" r:id="rId10"/>
+    <p:sldId id="303" r:id="rId11"/>
+    <p:sldId id="305" r:id="rId12"/>
+    <p:sldId id="306" r:id="rId13"/>
+    <p:sldId id="297" r:id="rId14"/>
+    <p:sldId id="294" r:id="rId15"/>
   </p:sldIdLst>
   <p:sldSz cx="12192000" cy="6858000"/>
   <p:notesSz cx="6858000" cy="9144000"/>
@@ -209,7 +210,7 @@
           <a:p>
             <a:fld id="{0EB23CB4-0EBB-7E43-AEC8-D5ADDA650247}" type="datetimeFigureOut">
               <a:rPr lang="en-US" smtClean="0"/>
-              <a:t>2/14/25</a:t>
+              <a:t>2/20/25</a:t>
             </a:fld>
             <a:endParaRPr lang="en-US"/>
           </a:p>
@@ -709,7 +710,7 @@
           <a:p>
             <a:fld id="{C2FD1589-7E77-6440-8706-C35CABE01F1C}" type="slidenum">
               <a:rPr lang="en-US" smtClean="0"/>
-              <a:t>13</a:t>
+              <a:t>14</a:t>
             </a:fld>
             <a:endParaRPr lang="en-US"/>
           </a:p>
@@ -875,7 +876,7 @@
           <a:p>
             <a:fld id="{2B281CE9-E0DF-2844-850D-DF93F0722CA0}" type="datetimeFigureOut">
               <a:rPr lang="en-US" smtClean="0"/>
-              <a:t>2/14/25</a:t>
+              <a:t>2/20/25</a:t>
             </a:fld>
             <a:endParaRPr lang="en-US"/>
           </a:p>
@@ -1073,7 +1074,7 @@
           <a:p>
             <a:fld id="{2B281CE9-E0DF-2844-850D-DF93F0722CA0}" type="datetimeFigureOut">
               <a:rPr lang="en-US" smtClean="0"/>
-              <a:t>2/14/25</a:t>
+              <a:t>2/20/25</a:t>
             </a:fld>
             <a:endParaRPr lang="en-US"/>
           </a:p>
@@ -1281,7 +1282,7 @@
           <a:p>
             <a:fld id="{2B281CE9-E0DF-2844-850D-DF93F0722CA0}" type="datetimeFigureOut">
               <a:rPr lang="en-US" smtClean="0"/>
-              <a:t>2/14/25</a:t>
+              <a:t>2/20/25</a:t>
             </a:fld>
             <a:endParaRPr lang="en-US"/>
           </a:p>
@@ -1479,7 +1480,7 @@
           <a:p>
             <a:fld id="{2B281CE9-E0DF-2844-850D-DF93F0722CA0}" type="datetimeFigureOut">
               <a:rPr lang="en-US" smtClean="0"/>
-              <a:t>2/14/25</a:t>
+              <a:t>2/20/25</a:t>
             </a:fld>
             <a:endParaRPr lang="en-US"/>
           </a:p>
@@ -1754,7 +1755,7 @@
           <a:p>
             <a:fld id="{2B281CE9-E0DF-2844-850D-DF93F0722CA0}" type="datetimeFigureOut">
               <a:rPr lang="en-US" smtClean="0"/>
-              <a:t>2/14/25</a:t>
+              <a:t>2/20/25</a:t>
             </a:fld>
             <a:endParaRPr lang="en-US"/>
           </a:p>
@@ -2019,7 +2020,7 @@
           <a:p>
             <a:fld id="{2B281CE9-E0DF-2844-850D-DF93F0722CA0}" type="datetimeFigureOut">
               <a:rPr lang="en-US" smtClean="0"/>
-              <a:t>2/14/25</a:t>
+              <a:t>2/20/25</a:t>
             </a:fld>
             <a:endParaRPr lang="en-US"/>
           </a:p>
@@ -2431,7 +2432,7 @@
           <a:p>
             <a:fld id="{2B281CE9-E0DF-2844-850D-DF93F0722CA0}" type="datetimeFigureOut">
               <a:rPr lang="en-US" smtClean="0"/>
-              <a:t>2/14/25</a:t>
+              <a:t>2/20/25</a:t>
             </a:fld>
             <a:endParaRPr lang="en-US"/>
           </a:p>
@@ -2572,7 +2573,7 @@
           <a:p>
             <a:fld id="{2B281CE9-E0DF-2844-850D-DF93F0722CA0}" type="datetimeFigureOut">
               <a:rPr lang="en-US" smtClean="0"/>
-              <a:t>2/14/25</a:t>
+              <a:t>2/20/25</a:t>
             </a:fld>
             <a:endParaRPr lang="en-US"/>
           </a:p>
@@ -2685,7 +2686,7 @@
           <a:p>
             <a:fld id="{2B281CE9-E0DF-2844-850D-DF93F0722CA0}" type="datetimeFigureOut">
               <a:rPr lang="en-US" smtClean="0"/>
-              <a:t>2/14/25</a:t>
+              <a:t>2/20/25</a:t>
             </a:fld>
             <a:endParaRPr lang="en-US"/>
           </a:p>
@@ -2996,7 +2997,7 @@
           <a:p>
             <a:fld id="{2B281CE9-E0DF-2844-850D-DF93F0722CA0}" type="datetimeFigureOut">
               <a:rPr lang="en-US" smtClean="0"/>
-              <a:t>2/14/25</a:t>
+              <a:t>2/20/25</a:t>
             </a:fld>
             <a:endParaRPr lang="en-US"/>
           </a:p>
@@ -3284,7 +3285,7 @@
           <a:p>
             <a:fld id="{2B281CE9-E0DF-2844-850D-DF93F0722CA0}" type="datetimeFigureOut">
               <a:rPr lang="en-US" smtClean="0"/>
-              <a:t>2/14/25</a:t>
+              <a:t>2/20/25</a:t>
             </a:fld>
             <a:endParaRPr lang="en-US"/>
           </a:p>
@@ -3525,7 +3526,7 @@
           <a:p>
             <a:fld id="{2B281CE9-E0DF-2844-850D-DF93F0722CA0}" type="datetimeFigureOut">
               <a:rPr lang="en-US" smtClean="0"/>
-              <a:t>2/14/25</a:t>
+              <a:t>2/20/25</a:t>
             </a:fld>
             <a:endParaRPr lang="en-US"/>
           </a:p>
@@ -3970,7 +3971,7 @@
           <a:p>
             <a:r>
               <a:rPr lang="en-US" dirty="0"/>
-              <a:t>Getting Started with HPC</a:t>
+              <a:t>Getting Started with RIS</a:t>
             </a:r>
             <a:br>
               <a:rPr lang="en-US" dirty="0"/>
@@ -4070,7 +4071,7 @@
           <a:p>
             <a:r>
               <a:rPr lang="en-US" dirty="0"/>
-              <a:t>Modify the form as needed part 3</a:t>
+              <a:t>Modify the form as needed</a:t>
             </a:r>
           </a:p>
         </p:txBody>
@@ -4098,7 +4099,93 @@
           <a:p>
             <a:r>
               <a:rPr lang="en-US" dirty="0"/>
-              <a:t>Take aways – the more resources you request, the more time it will take for those resources to become available.</a:t>
+              <a:t>Mounts:</a:t>
+            </a:r>
+          </a:p>
+          <a:p>
+            <a:pPr lvl="1"/>
+            <a:r>
+              <a:rPr lang="en-US" dirty="0"/>
+              <a:t>/storage1/fs1/</a:t>
+            </a:r>
+            <a:r>
+              <a:rPr lang="en-US" dirty="0" err="1"/>
+              <a:t>artsci</a:t>
+            </a:r>
+            <a:r>
+              <a:rPr lang="en-US" dirty="0"/>
+              <a:t>/Active/</a:t>
+            </a:r>
+            <a:r>
+              <a:rPr lang="en-US" dirty="0" err="1"/>
+              <a:t>g.porter</a:t>
+            </a:r>
+            <a:r>
+              <a:rPr lang="en-US" dirty="0"/>
+              <a:t>:/storage1/fs1/</a:t>
+            </a:r>
+            <a:r>
+              <a:rPr lang="en-US" dirty="0" err="1"/>
+              <a:t>artsci</a:t>
+            </a:r>
+            <a:r>
+              <a:rPr lang="en-US" dirty="0"/>
+              <a:t>/Active/</a:t>
+            </a:r>
+            <a:r>
+              <a:rPr lang="en-US" dirty="0" err="1"/>
+              <a:t>g.porter</a:t>
+            </a:r>
+            <a:endParaRPr lang="en-US" dirty="0"/>
+          </a:p>
+          <a:p>
+            <a:pPr lvl="1"/>
+            <a:endParaRPr lang="en-US" dirty="0"/>
+          </a:p>
+          <a:p>
+            <a:pPr marL="457200" lvl="1" indent="0">
+              <a:buNone/>
+            </a:pPr>
+            <a:r>
+              <a:rPr lang="en-US" dirty="0"/>
+              <a:t>Note, this path “/storage1/fs1/</a:t>
+            </a:r>
+            <a:r>
+              <a:rPr lang="en-US" dirty="0" err="1"/>
+              <a:t>artsci</a:t>
+            </a:r>
+            <a:r>
+              <a:rPr lang="en-US" dirty="0"/>
+              <a:t>/Active/</a:t>
+            </a:r>
+            <a:r>
+              <a:rPr lang="en-US" dirty="0" err="1"/>
+              <a:t>g.porter</a:t>
+            </a:r>
+            <a:r>
+              <a:rPr lang="en-US" dirty="0"/>
+              <a:t>” will be different for you.</a:t>
+            </a:r>
+          </a:p>
+          <a:p>
+            <a:pPr marL="457200" lvl="1" indent="0">
+              <a:buNone/>
+            </a:pPr>
+            <a:r>
+              <a:rPr lang="en-US" dirty="0"/>
+              <a:t>It will probably be something like “/storage2</a:t>
+            </a:r>
+            <a:r>
+              <a:rPr lang="en-US"/>
+              <a:t>/fs1/&lt;</a:t>
+            </a:r>
+            <a:r>
+              <a:rPr lang="en-US" dirty="0" err="1"/>
+              <a:t>your_wustl_key</a:t>
+            </a:r>
+            <a:r>
+              <a:rPr lang="en-US" dirty="0"/>
+              <a:t>&gt;/Active”</a:t>
             </a:r>
           </a:p>
         </p:txBody>
@@ -4106,7 +4193,7 @@
     </p:spTree>
     <p:extLst>
       <p:ext uri="{BB962C8B-B14F-4D97-AF65-F5344CB8AC3E}">
-        <p14:creationId xmlns:p14="http://schemas.microsoft.com/office/powerpoint/2010/main" val="1585236163"/>
+        <p14:creationId xmlns:p14="http://schemas.microsoft.com/office/powerpoint/2010/main" val="3335194333"/>
       </p:ext>
     </p:extLst>
   </p:cSld>
@@ -4138,7 +4225,7 @@
           <p:cNvPr id="2" name="Title 1">
             <a:extLst>
               <a:ext uri="{FF2B5EF4-FFF2-40B4-BE49-F238E27FC236}">
-                <a16:creationId xmlns:a16="http://schemas.microsoft.com/office/drawing/2014/main" id="{3A32E169-A359-6A1B-9B7B-4ADC778C134D}"/>
+                <a16:creationId xmlns:a16="http://schemas.microsoft.com/office/drawing/2014/main" id="{464F1300-6CEB-FACC-0705-D671F8D3500D}"/>
               </a:ext>
             </a:extLst>
           </p:cNvPr>
@@ -4156,7 +4243,7 @@
           <a:p>
             <a:r>
               <a:rPr lang="en-US" dirty="0"/>
-              <a:t>Task 3 - Globus</a:t>
+              <a:t>Modify the form as needed part 2</a:t>
             </a:r>
           </a:p>
         </p:txBody>
@@ -4166,7 +4253,7 @@
           <p:cNvPr id="3" name="Content Placeholder 2">
             <a:extLst>
               <a:ext uri="{FF2B5EF4-FFF2-40B4-BE49-F238E27FC236}">
-                <a16:creationId xmlns:a16="http://schemas.microsoft.com/office/drawing/2014/main" id="{94FBD600-4112-029B-4BFA-2106122AD116}"/>
+                <a16:creationId xmlns:a16="http://schemas.microsoft.com/office/drawing/2014/main" id="{85686AA5-85A1-37C7-673A-16513B98EE62}"/>
               </a:ext>
             </a:extLst>
           </p:cNvPr>
@@ -4184,38 +4271,39 @@
           <a:p>
             <a:r>
               <a:rPr lang="en-US" dirty="0"/>
-              <a:t>Installing Globus - </a:t>
-            </a:r>
-            <a:r>
-              <a:rPr lang="en-US" dirty="0">
-                <a:hlinkClick r:id="rId2"/>
-              </a:rPr>
-              <a:t>https://tinyurl.com/23p39mth</a:t>
-            </a:r>
-            <a:endParaRPr lang="en-US" dirty="0"/>
-          </a:p>
-          <a:p>
-            <a:endParaRPr lang="en-US" dirty="0"/>
-          </a:p>
-          <a:p>
-            <a:r>
-              <a:rPr lang="en-US" dirty="0"/>
-              <a:t>Connecting it to the RIS - </a:t>
-            </a:r>
-            <a:r>
-              <a:rPr lang="en-US" dirty="0">
-                <a:hlinkClick r:id="rId3"/>
-              </a:rPr>
-              <a:t>https://tinyurl.com/2d7clpdh</a:t>
-            </a:r>
-            <a:endParaRPr lang="en-US" dirty="0"/>
+              <a:t>Memory (GB) </a:t>
+            </a:r>
+          </a:p>
+          <a:p>
+            <a:r>
+              <a:rPr lang="en-US" dirty="0"/>
+              <a:t>Number of hours</a:t>
+            </a:r>
+          </a:p>
+          <a:p>
+            <a:r>
+              <a:rPr lang="en-US" dirty="0"/>
+              <a:t>Number of processors</a:t>
+            </a:r>
+          </a:p>
+          <a:p>
+            <a:r>
+              <a:rPr lang="en-US" dirty="0"/>
+              <a:t>GPUs to Allocate</a:t>
+            </a:r>
+          </a:p>
+          <a:p>
+            <a:r>
+              <a:rPr lang="en-US" dirty="0"/>
+              <a:t>GPU Model Type</a:t>
+            </a:r>
           </a:p>
         </p:txBody>
       </p:sp>
     </p:spTree>
     <p:extLst>
       <p:ext uri="{BB962C8B-B14F-4D97-AF65-F5344CB8AC3E}">
-        <p14:creationId xmlns:p14="http://schemas.microsoft.com/office/powerpoint/2010/main" val="3229917968"/>
+        <p14:creationId xmlns:p14="http://schemas.microsoft.com/office/powerpoint/2010/main" val="4103334304"/>
       </p:ext>
     </p:extLst>
   </p:cSld>
@@ -4247,6 +4335,92 @@
           <p:cNvPr id="2" name="Title 1">
             <a:extLst>
               <a:ext uri="{FF2B5EF4-FFF2-40B4-BE49-F238E27FC236}">
+                <a16:creationId xmlns:a16="http://schemas.microsoft.com/office/drawing/2014/main" id="{464F1300-6CEB-FACC-0705-D671F8D3500D}"/>
+              </a:ext>
+            </a:extLst>
+          </p:cNvPr>
+          <p:cNvSpPr>
+            <a:spLocks noGrp="1"/>
+          </p:cNvSpPr>
+          <p:nvPr>
+            <p:ph type="title"/>
+          </p:nvPr>
+        </p:nvSpPr>
+        <p:spPr/>
+        <p:txBody>
+          <a:bodyPr/>
+          <a:lstStyle/>
+          <a:p>
+            <a:r>
+              <a:rPr lang="en-US" dirty="0"/>
+              <a:t>Modify the form as needed part 3</a:t>
+            </a:r>
+          </a:p>
+        </p:txBody>
+      </p:sp>
+      <p:sp>
+        <p:nvSpPr>
+          <p:cNvPr id="3" name="Content Placeholder 2">
+            <a:extLst>
+              <a:ext uri="{FF2B5EF4-FFF2-40B4-BE49-F238E27FC236}">
+                <a16:creationId xmlns:a16="http://schemas.microsoft.com/office/drawing/2014/main" id="{85686AA5-85A1-37C7-673A-16513B98EE62}"/>
+              </a:ext>
+            </a:extLst>
+          </p:cNvPr>
+          <p:cNvSpPr>
+            <a:spLocks noGrp="1"/>
+          </p:cNvSpPr>
+          <p:nvPr>
+            <p:ph idx="1"/>
+          </p:nvPr>
+        </p:nvSpPr>
+        <p:spPr/>
+        <p:txBody>
+          <a:bodyPr/>
+          <a:lstStyle/>
+          <a:p>
+            <a:r>
+              <a:rPr lang="en-US" dirty="0"/>
+              <a:t>Take aways – the more resources you request, the more time it will take for those resources to become available.</a:t>
+            </a:r>
+          </a:p>
+        </p:txBody>
+      </p:sp>
+    </p:spTree>
+    <p:extLst>
+      <p:ext uri="{BB962C8B-B14F-4D97-AF65-F5344CB8AC3E}">
+        <p14:creationId xmlns:p14="http://schemas.microsoft.com/office/powerpoint/2010/main" val="1585236163"/>
+      </p:ext>
+    </p:extLst>
+  </p:cSld>
+  <p:clrMapOvr>
+    <a:masterClrMapping/>
+  </p:clrMapOvr>
+</p:sld>
+</file>
+
+<file path=ppt/slides/slide13.xml><?xml version="1.0" encoding="utf-8"?>
+<p:sld xmlns:a="http://schemas.openxmlformats.org/drawingml/2006/main" xmlns:r="http://schemas.openxmlformats.org/officeDocument/2006/relationships" xmlns:p="http://schemas.openxmlformats.org/presentationml/2006/main">
+  <p:cSld>
+    <p:spTree>
+      <p:nvGrpSpPr>
+        <p:cNvPr id="1" name=""/>
+        <p:cNvGrpSpPr/>
+        <p:nvPr/>
+      </p:nvGrpSpPr>
+      <p:grpSpPr>
+        <a:xfrm>
+          <a:off x="0" y="0"/>
+          <a:ext cx="0" cy="0"/>
+          <a:chOff x="0" y="0"/>
+          <a:chExt cx="0" cy="0"/>
+        </a:xfrm>
+      </p:grpSpPr>
+      <p:sp>
+        <p:nvSpPr>
+          <p:cNvPr id="2" name="Title 1">
+            <a:extLst>
+              <a:ext uri="{FF2B5EF4-FFF2-40B4-BE49-F238E27FC236}">
                 <a16:creationId xmlns:a16="http://schemas.microsoft.com/office/drawing/2014/main" id="{0BA656BF-8100-F11D-1A69-A830A4576E47}"/>
               </a:ext>
             </a:extLst>
@@ -4366,7 +4540,7 @@
 </p:sld>
 </file>
 
-<file path=ppt/slides/slide13.xml><?xml version="1.0" encoding="utf-8"?>
+<file path=ppt/slides/slide14.xml><?xml version="1.0" encoding="utf-8"?>
 <p:sld xmlns:a="http://schemas.openxmlformats.org/drawingml/2006/main" xmlns:r="http://schemas.openxmlformats.org/officeDocument/2006/relationships" xmlns:p="http://schemas.openxmlformats.org/presentationml/2006/main">
   <p:cSld>
     <p:spTree>
@@ -4555,19 +4729,19 @@
           <a:p>
             <a:r>
               <a:rPr lang="en-US" dirty="0"/>
-              <a:t>SSH into the RIS</a:t>
-            </a:r>
-          </a:p>
-          <a:p>
-            <a:r>
-              <a:rPr lang="en-US" dirty="0"/>
               <a:t>What is the RIS?</a:t>
             </a:r>
           </a:p>
           <a:p>
             <a:r>
               <a:rPr lang="en-US" dirty="0"/>
-              <a:t>Upload some code to the RIS</a:t>
+              <a:t>Connect to the RIS</a:t>
+            </a:r>
+          </a:p>
+          <a:p>
+            <a:r>
+              <a:rPr lang="en-US" dirty="0"/>
+              <a:t>Upload some code/data to the RIS</a:t>
             </a:r>
           </a:p>
           <a:p>
@@ -4589,7 +4763,15 @@
             <a:pPr lvl="1"/>
             <a:r>
               <a:rPr lang="en-US" b="1" dirty="0"/>
-              <a:t>Be able to put data on the RIS</a:t>
+              <a:t>Be able to put data on the RIS and run </a:t>
+            </a:r>
+            <a:r>
+              <a:rPr lang="en-US" b="1" dirty="0" err="1"/>
+              <a:t>Rstudio</a:t>
+            </a:r>
+            <a:r>
+              <a:rPr lang="en-US" b="1" dirty="0"/>
+              <a:t>/Stata</a:t>
             </a:r>
           </a:p>
           <a:p>
@@ -4961,20 +5143,6 @@
               <a:t> </a:t>
             </a:r>
           </a:p>
-          <a:p>
-            <a:pPr marL="0" indent="0" algn="l">
-              <a:buNone/>
-            </a:pPr>
-            <a:r>
-              <a:rPr lang="en-US" dirty="0"/>
-              <a:t>https://</a:t>
-            </a:r>
-            <a:r>
-              <a:rPr lang="en-US" dirty="0" err="1"/>
-              <a:t>ood.ris.wustl.edu</a:t>
-            </a:r>
-            <a:endParaRPr lang="en-US" dirty="0"/>
-          </a:p>
         </p:txBody>
       </p:sp>
     </p:spTree>
@@ -5012,7 +5180,7 @@
           <p:cNvPr id="2" name="Title 1">
             <a:extLst>
               <a:ext uri="{FF2B5EF4-FFF2-40B4-BE49-F238E27FC236}">
-                <a16:creationId xmlns:a16="http://schemas.microsoft.com/office/drawing/2014/main" id="{007AFCDA-99E6-DE8E-DDE3-7B9FEEC2EB52}"/>
+                <a16:creationId xmlns:a16="http://schemas.microsoft.com/office/drawing/2014/main" id="{3A32E169-A359-6A1B-9B7B-4ADC778C134D}"/>
               </a:ext>
             </a:extLst>
           </p:cNvPr>
@@ -5030,7 +5198,7 @@
           <a:p>
             <a:r>
               <a:rPr lang="en-US" dirty="0"/>
-              <a:t>Task 2 – Open On Demand</a:t>
+              <a:t>Task 2 - Globus</a:t>
             </a:r>
           </a:p>
         </p:txBody>
@@ -5040,7 +5208,7 @@
           <p:cNvPr id="3" name="Content Placeholder 2">
             <a:extLst>
               <a:ext uri="{FF2B5EF4-FFF2-40B4-BE49-F238E27FC236}">
-                <a16:creationId xmlns:a16="http://schemas.microsoft.com/office/drawing/2014/main" id="{49219CFC-C9B5-5285-4958-9F6E1E8D556D}"/>
+                <a16:creationId xmlns:a16="http://schemas.microsoft.com/office/drawing/2014/main" id="{94FBD600-4112-029B-4BFA-2106122AD116}"/>
               </a:ext>
             </a:extLst>
           </p:cNvPr>
@@ -5058,32 +5226,42 @@
           <a:p>
             <a:r>
               <a:rPr lang="en-US" dirty="0"/>
-              <a:t>Navigate to:</a:t>
+              <a:t>What is Globus?</a:t>
             </a:r>
           </a:p>
           <a:p>
             <a:pPr lvl="1"/>
             <a:r>
-              <a:rPr lang="en-US" dirty="0">
-                <a:hlinkClick r:id="rId2"/>
-              </a:rPr>
-              <a:t>https://ood.ris.wustl.edu/pun/sys/dashboard</a:t>
-            </a:r>
-            <a:endParaRPr lang="en-US" dirty="0"/>
+              <a:rPr lang="en-US" dirty="0"/>
+              <a:t>A way to transfer data</a:t>
+            </a:r>
+          </a:p>
+          <a:p>
+            <a:r>
+              <a:rPr lang="en-US" dirty="0"/>
+              <a:t>Why Globus?</a:t>
+            </a:r>
           </a:p>
           <a:p>
             <a:pPr lvl="1"/>
-            <a:endParaRPr lang="en-US" dirty="0"/>
-          </a:p>
-          <a:p>
-            <a:endParaRPr lang="en-US" dirty="0"/>
+            <a:r>
+              <a:rPr lang="en-US" dirty="0"/>
+              <a:t>It’s great for large files</a:t>
+            </a:r>
+          </a:p>
+          <a:p>
+            <a:pPr lvl="1"/>
+            <a:r>
+              <a:rPr lang="en-US" dirty="0"/>
+              <a:t>It’s a consistent experience between Mac and Linux</a:t>
+            </a:r>
           </a:p>
         </p:txBody>
       </p:sp>
     </p:spTree>
     <p:extLst>
       <p:ext uri="{BB962C8B-B14F-4D97-AF65-F5344CB8AC3E}">
-        <p14:creationId xmlns:p14="http://schemas.microsoft.com/office/powerpoint/2010/main" val="3024282840"/>
+        <p14:creationId xmlns:p14="http://schemas.microsoft.com/office/powerpoint/2010/main" val="3229917968"/>
       </p:ext>
     </p:extLst>
   </p:cSld>
@@ -5115,7 +5293,7 @@
           <p:cNvPr id="2" name="Title 1">
             <a:extLst>
               <a:ext uri="{FF2B5EF4-FFF2-40B4-BE49-F238E27FC236}">
-                <a16:creationId xmlns:a16="http://schemas.microsoft.com/office/drawing/2014/main" id="{CE3C40C7-E5C1-3DB4-A00E-BCEDFD9CE131}"/>
+                <a16:creationId xmlns:a16="http://schemas.microsoft.com/office/drawing/2014/main" id="{3A32E169-A359-6A1B-9B7B-4ADC778C134D}"/>
               </a:ext>
             </a:extLst>
           </p:cNvPr>
@@ -5133,7 +5311,7 @@
           <a:p>
             <a:r>
               <a:rPr lang="en-US" dirty="0"/>
-              <a:t>Select the app we want to use</a:t>
+              <a:t>Task 2 - Globus</a:t>
             </a:r>
           </a:p>
         </p:txBody>
@@ -5143,7 +5321,7 @@
           <p:cNvPr id="3" name="Content Placeholder 2">
             <a:extLst>
               <a:ext uri="{FF2B5EF4-FFF2-40B4-BE49-F238E27FC236}">
-                <a16:creationId xmlns:a16="http://schemas.microsoft.com/office/drawing/2014/main" id="{787166FF-A7E1-CE47-9408-AA9361B90EF8}"/>
+                <a16:creationId xmlns:a16="http://schemas.microsoft.com/office/drawing/2014/main" id="{94FBD600-4112-029B-4BFA-2106122AD116}"/>
               </a:ext>
             </a:extLst>
           </p:cNvPr>
@@ -5161,57 +5339,38 @@
           <a:p>
             <a:r>
               <a:rPr lang="en-US" dirty="0"/>
-              <a:t>Hover over Interactive Apps </a:t>
-            </a:r>
-          </a:p>
-          <a:p>
-            <a:r>
-              <a:rPr lang="en-US" dirty="0"/>
-              <a:t>Select the App you want to use</a:t>
-            </a:r>
-          </a:p>
-          <a:p>
-            <a:r>
-              <a:rPr lang="en-US" dirty="0"/>
-              <a:t>For this example, we’ll use RStudio</a:t>
-            </a:r>
-          </a:p>
-        </p:txBody>
-      </p:sp>
-      <p:pic>
-        <p:nvPicPr>
-          <p:cNvPr id="5" name="Picture 4" descr="A screenshot of a computer&#10;&#10;Description automatically generated">
-            <a:extLst>
-              <a:ext uri="{FF2B5EF4-FFF2-40B4-BE49-F238E27FC236}">
-                <a16:creationId xmlns:a16="http://schemas.microsoft.com/office/drawing/2014/main" id="{05222B17-46F4-FB32-DFD2-6572DE2CBDB3}"/>
-              </a:ext>
-            </a:extLst>
-          </p:cNvPr>
-          <p:cNvPicPr>
-            <a:picLocks noChangeAspect="1"/>
-          </p:cNvPicPr>
-          <p:nvPr/>
-        </p:nvPicPr>
-        <p:blipFill>
-          <a:blip r:embed="rId2"/>
-          <a:stretch>
-            <a:fillRect/>
-          </a:stretch>
-        </p:blipFill>
-        <p:spPr>
-          <a:xfrm>
-            <a:off x="7695113" y="1479175"/>
-            <a:ext cx="3992622" cy="4697787"/>
-          </a:xfrm>
-          <a:prstGeom prst="rect">
-            <a:avLst/>
-          </a:prstGeom>
-        </p:spPr>
-      </p:pic>
+              <a:t>Installing Globus - </a:t>
+            </a:r>
+            <a:r>
+              <a:rPr lang="en-US" dirty="0">
+                <a:hlinkClick r:id="rId2"/>
+              </a:rPr>
+              <a:t>https://tinyurl.com/23p39mth</a:t>
+            </a:r>
+            <a:endParaRPr lang="en-US" dirty="0"/>
+          </a:p>
+          <a:p>
+            <a:endParaRPr lang="en-US" dirty="0"/>
+          </a:p>
+          <a:p>
+            <a:r>
+              <a:rPr lang="en-US" dirty="0"/>
+              <a:t>Connecting it to the RIS - </a:t>
+            </a:r>
+            <a:r>
+              <a:rPr lang="en-US" dirty="0">
+                <a:hlinkClick r:id="rId3"/>
+              </a:rPr>
+              <a:t>https://tinyurl.com/2d7clpdh</a:t>
+            </a:r>
+            <a:endParaRPr lang="en-US" dirty="0"/>
+          </a:p>
+        </p:txBody>
+      </p:sp>
     </p:spTree>
     <p:extLst>
       <p:ext uri="{BB962C8B-B14F-4D97-AF65-F5344CB8AC3E}">
-        <p14:creationId xmlns:p14="http://schemas.microsoft.com/office/powerpoint/2010/main" val="4225183248"/>
+        <p14:creationId xmlns:p14="http://schemas.microsoft.com/office/powerpoint/2010/main" val="3446522"/>
       </p:ext>
     </p:extLst>
   </p:cSld>
@@ -5243,7 +5402,7 @@
           <p:cNvPr id="2" name="Title 1">
             <a:extLst>
               <a:ext uri="{FF2B5EF4-FFF2-40B4-BE49-F238E27FC236}">
-                <a16:creationId xmlns:a16="http://schemas.microsoft.com/office/drawing/2014/main" id="{464F1300-6CEB-FACC-0705-D671F8D3500D}"/>
+                <a16:creationId xmlns:a16="http://schemas.microsoft.com/office/drawing/2014/main" id="{007AFCDA-99E6-DE8E-DDE3-7B9FEEC2EB52}"/>
               </a:ext>
             </a:extLst>
           </p:cNvPr>
@@ -5261,7 +5420,7 @@
           <a:p>
             <a:r>
               <a:rPr lang="en-US" dirty="0"/>
-              <a:t>Modify the form as needed</a:t>
+              <a:t>Task 3 – Open On Demand</a:t>
             </a:r>
           </a:p>
         </p:txBody>
@@ -5271,7 +5430,7 @@
           <p:cNvPr id="3" name="Content Placeholder 2">
             <a:extLst>
               <a:ext uri="{FF2B5EF4-FFF2-40B4-BE49-F238E27FC236}">
-                <a16:creationId xmlns:a16="http://schemas.microsoft.com/office/drawing/2014/main" id="{85686AA5-85A1-37C7-673A-16513B98EE62}"/>
+                <a16:creationId xmlns:a16="http://schemas.microsoft.com/office/drawing/2014/main" id="{49219CFC-C9B5-5285-4958-9F6E1E8D556D}"/>
               </a:ext>
             </a:extLst>
           </p:cNvPr>
@@ -5289,97 +5448,37 @@
           <a:p>
             <a:r>
               <a:rPr lang="en-US" dirty="0"/>
-              <a:t>Mounts:</a:t>
-            </a:r>
-          </a:p>
-          <a:p>
-            <a:pPr lvl="1"/>
-            <a:r>
-              <a:rPr lang="en-US" dirty="0"/>
-              <a:t>/storage1/fs1/</a:t>
-            </a:r>
-            <a:r>
-              <a:rPr lang="en-US" dirty="0" err="1"/>
-              <a:t>artsci</a:t>
-            </a:r>
-            <a:r>
-              <a:rPr lang="en-US" dirty="0"/>
-              <a:t>/Active/</a:t>
-            </a:r>
-            <a:r>
-              <a:rPr lang="en-US" dirty="0" err="1"/>
-              <a:t>g.porter</a:t>
-            </a:r>
-            <a:r>
-              <a:rPr lang="en-US" dirty="0"/>
-              <a:t>:/storage1/fs1/</a:t>
-            </a:r>
-            <a:r>
-              <a:rPr lang="en-US" dirty="0" err="1"/>
-              <a:t>artsci</a:t>
-            </a:r>
-            <a:r>
-              <a:rPr lang="en-US" dirty="0"/>
-              <a:t>/Active/</a:t>
-            </a:r>
-            <a:r>
-              <a:rPr lang="en-US" dirty="0" err="1"/>
-              <a:t>g.porter</a:t>
+              <a:t>Navigate to:</a:t>
+            </a:r>
+          </a:p>
+          <a:p>
+            <a:pPr marL="0" indent="0" algn="l">
+              <a:buNone/>
+            </a:pPr>
+            <a:r>
+              <a:rPr lang="en-US" dirty="0"/>
+              <a:t>	</a:t>
+            </a:r>
+            <a:r>
+              <a:rPr lang="en-US" dirty="0">
+                <a:hlinkClick r:id="rId2"/>
+              </a:rPr>
+              <a:t>https://ood.ris.wustl.edu</a:t>
             </a:r>
             <a:endParaRPr lang="en-US" dirty="0"/>
           </a:p>
           <a:p>
-            <a:pPr lvl="1"/>
+            <a:pPr marL="0" indent="0" algn="l">
+              <a:buNone/>
+            </a:pPr>
             <a:endParaRPr lang="en-US" dirty="0"/>
-          </a:p>
-          <a:p>
-            <a:pPr marL="457200" lvl="1" indent="0">
-              <a:buNone/>
-            </a:pPr>
-            <a:r>
-              <a:rPr lang="en-US" dirty="0"/>
-              <a:t>Note, this path “/storage1/fs1/</a:t>
-            </a:r>
-            <a:r>
-              <a:rPr lang="en-US" dirty="0" err="1"/>
-              <a:t>artsci</a:t>
-            </a:r>
-            <a:r>
-              <a:rPr lang="en-US" dirty="0"/>
-              <a:t>/Active/</a:t>
-            </a:r>
-            <a:r>
-              <a:rPr lang="en-US" dirty="0" err="1"/>
-              <a:t>g.porter</a:t>
-            </a:r>
-            <a:r>
-              <a:rPr lang="en-US" dirty="0"/>
-              <a:t>” will be different for you.</a:t>
-            </a:r>
-          </a:p>
-          <a:p>
-            <a:pPr marL="457200" lvl="1" indent="0">
-              <a:buNone/>
-            </a:pPr>
-            <a:r>
-              <a:rPr lang="en-US" dirty="0"/>
-              <a:t>It will probably be something like “/storage2/fs2/&lt;</a:t>
-            </a:r>
-            <a:r>
-              <a:rPr lang="en-US" dirty="0" err="1"/>
-              <a:t>your_wustl_key</a:t>
-            </a:r>
-            <a:r>
-              <a:rPr lang="en-US" dirty="0"/>
-              <a:t>&gt;/Active”</a:t>
-            </a:r>
           </a:p>
         </p:txBody>
       </p:sp>
     </p:spTree>
     <p:extLst>
       <p:ext uri="{BB962C8B-B14F-4D97-AF65-F5344CB8AC3E}">
-        <p14:creationId xmlns:p14="http://schemas.microsoft.com/office/powerpoint/2010/main" val="3335194333"/>
+        <p14:creationId xmlns:p14="http://schemas.microsoft.com/office/powerpoint/2010/main" val="3024282840"/>
       </p:ext>
     </p:extLst>
   </p:cSld>
@@ -5411,7 +5510,7 @@
           <p:cNvPr id="2" name="Title 1">
             <a:extLst>
               <a:ext uri="{FF2B5EF4-FFF2-40B4-BE49-F238E27FC236}">
-                <a16:creationId xmlns:a16="http://schemas.microsoft.com/office/drawing/2014/main" id="{464F1300-6CEB-FACC-0705-D671F8D3500D}"/>
+                <a16:creationId xmlns:a16="http://schemas.microsoft.com/office/drawing/2014/main" id="{CE3C40C7-E5C1-3DB4-A00E-BCEDFD9CE131}"/>
               </a:ext>
             </a:extLst>
           </p:cNvPr>
@@ -5429,7 +5528,7 @@
           <a:p>
             <a:r>
               <a:rPr lang="en-US" dirty="0"/>
-              <a:t>Modify the form as needed part 2</a:t>
+              <a:t>Select the app we want to use</a:t>
             </a:r>
           </a:p>
         </p:txBody>
@@ -5439,7 +5538,7 @@
           <p:cNvPr id="3" name="Content Placeholder 2">
             <a:extLst>
               <a:ext uri="{FF2B5EF4-FFF2-40B4-BE49-F238E27FC236}">
-                <a16:creationId xmlns:a16="http://schemas.microsoft.com/office/drawing/2014/main" id="{85686AA5-85A1-37C7-673A-16513B98EE62}"/>
+                <a16:creationId xmlns:a16="http://schemas.microsoft.com/office/drawing/2014/main" id="{787166FF-A7E1-CE47-9408-AA9361B90EF8}"/>
               </a:ext>
             </a:extLst>
           </p:cNvPr>
@@ -5457,39 +5556,57 @@
           <a:p>
             <a:r>
               <a:rPr lang="en-US" dirty="0"/>
-              <a:t>Memory (GB) </a:t>
-            </a:r>
-          </a:p>
-          <a:p>
-            <a:r>
-              <a:rPr lang="en-US" dirty="0"/>
-              <a:t>Number of hours</a:t>
-            </a:r>
-          </a:p>
-          <a:p>
-            <a:r>
-              <a:rPr lang="en-US" dirty="0"/>
-              <a:t>Number of processors</a:t>
-            </a:r>
-          </a:p>
-          <a:p>
-            <a:r>
-              <a:rPr lang="en-US" dirty="0"/>
-              <a:t>GPUs to Allocate</a:t>
-            </a:r>
-          </a:p>
-          <a:p>
-            <a:r>
-              <a:rPr lang="en-US" dirty="0"/>
-              <a:t>GPU Model Type</a:t>
-            </a:r>
-          </a:p>
-        </p:txBody>
-      </p:sp>
+              <a:t>Hover over Interactive Apps </a:t>
+            </a:r>
+          </a:p>
+          <a:p>
+            <a:r>
+              <a:rPr lang="en-US" dirty="0"/>
+              <a:t>Select the App you want to use</a:t>
+            </a:r>
+          </a:p>
+          <a:p>
+            <a:r>
+              <a:rPr lang="en-US" dirty="0"/>
+              <a:t>For this example, we’ll use RStudio</a:t>
+            </a:r>
+          </a:p>
+        </p:txBody>
+      </p:sp>
+      <p:pic>
+        <p:nvPicPr>
+          <p:cNvPr id="5" name="Picture 4" descr="A screenshot of a computer&#10;&#10;Description automatically generated">
+            <a:extLst>
+              <a:ext uri="{FF2B5EF4-FFF2-40B4-BE49-F238E27FC236}">
+                <a16:creationId xmlns:a16="http://schemas.microsoft.com/office/drawing/2014/main" id="{05222B17-46F4-FB32-DFD2-6572DE2CBDB3}"/>
+              </a:ext>
+            </a:extLst>
+          </p:cNvPr>
+          <p:cNvPicPr>
+            <a:picLocks noChangeAspect="1"/>
+          </p:cNvPicPr>
+          <p:nvPr/>
+        </p:nvPicPr>
+        <p:blipFill>
+          <a:blip r:embed="rId2"/>
+          <a:stretch>
+            <a:fillRect/>
+          </a:stretch>
+        </p:blipFill>
+        <p:spPr>
+          <a:xfrm>
+            <a:off x="7695113" y="1479175"/>
+            <a:ext cx="3992622" cy="4697787"/>
+          </a:xfrm>
+          <a:prstGeom prst="rect">
+            <a:avLst/>
+          </a:prstGeom>
+        </p:spPr>
+      </p:pic>
     </p:spTree>
     <p:extLst>
       <p:ext uri="{BB962C8B-B14F-4D97-AF65-F5344CB8AC3E}">
-        <p14:creationId xmlns:p14="http://schemas.microsoft.com/office/powerpoint/2010/main" val="4103334304"/>
+        <p14:creationId xmlns:p14="http://schemas.microsoft.com/office/powerpoint/2010/main" val="4225183248"/>
       </p:ext>
     </p:extLst>
   </p:cSld>
